--- a/Daily prophet.pptx
+++ b/Daily prophet.pptx
@@ -12,13 +12,13 @@
     <p:sldId id="260" r:id="rId6"/>
     <p:sldId id="261" r:id="rId7"/>
     <p:sldId id="262" r:id="rId8"/>
-    <p:sldId id="263" r:id="rId9"/>
-    <p:sldId id="264" r:id="rId10"/>
-    <p:sldId id="271" r:id="rId11"/>
-    <p:sldId id="265" r:id="rId12"/>
-    <p:sldId id="266" r:id="rId13"/>
-    <p:sldId id="267" r:id="rId14"/>
-    <p:sldId id="268" r:id="rId15"/>
+    <p:sldId id="264" r:id="rId9"/>
+    <p:sldId id="271" r:id="rId10"/>
+    <p:sldId id="265" r:id="rId11"/>
+    <p:sldId id="266" r:id="rId12"/>
+    <p:sldId id="267" r:id="rId13"/>
+    <p:sldId id="268" r:id="rId14"/>
+    <p:sldId id="272" r:id="rId15"/>
     <p:sldId id="269" r:id="rId16"/>
     <p:sldId id="270" r:id="rId17"/>
   </p:sldIdLst>
@@ -3705,7 +3705,7 @@
     </p:spTree>
     <p:extLst>
       <p:ext uri="{BB962C8B-B14F-4D97-AF65-F5344CB8AC3E}">
-        <p14:creationId xmlns="" xmlns:p14="http://schemas.microsoft.com/office/powerpoint/2010/main" val="1104525024"/>
+        <p14:creationId xmlns:p14="http://schemas.microsoft.com/office/powerpoint/2010/main" val="1104525024"/>
       </p:ext>
     </p:extLst>
   </p:cSld>
@@ -3757,88 +3757,6 @@
             <a:pPr algn="ctr"/>
             <a:r>
               <a:rPr lang="es-ES" dirty="0" smtClean="0"/>
-              <a:t>Paleta de colores usada</a:t>
-            </a:r>
-            <a:endParaRPr lang="es-ES" dirty="0"/>
-          </a:p>
-        </p:txBody>
-      </p:sp>
-      <p:pic>
-        <p:nvPicPr>
-          <p:cNvPr id="2050" name="Picture 2"/>
-          <p:cNvPicPr>
-            <a:picLocks noChangeAspect="1" noChangeArrowheads="1"/>
-          </p:cNvPicPr>
-          <p:nvPr/>
-        </p:nvPicPr>
-        <p:blipFill>
-          <a:blip r:embed="rId2"/>
-          <a:srcRect/>
-          <a:stretch>
-            <a:fillRect/>
-          </a:stretch>
-        </p:blipFill>
-        <p:spPr bwMode="auto">
-          <a:xfrm>
-            <a:off x="1571604" y="1643050"/>
-            <a:ext cx="5429288" cy="3075236"/>
-          </a:xfrm>
-          <a:prstGeom prst="rect">
-            <a:avLst/>
-          </a:prstGeom>
-          <a:noFill/>
-          <a:ln w="9525">
-            <a:noFill/>
-            <a:miter lim="800000"/>
-            <a:headEnd/>
-            <a:tailEnd/>
-          </a:ln>
-          <a:effectLst/>
-        </p:spPr>
-      </p:pic>
-    </p:spTree>
-  </p:cSld>
-  <p:clrMapOvr>
-    <a:masterClrMapping/>
-  </p:clrMapOvr>
-</p:sld>
-</file>
-
-<file path=ppt/slides/slide11.xml><?xml version="1.0" encoding="utf-8"?>
-<p:sld xmlns:a="http://schemas.openxmlformats.org/drawingml/2006/main" xmlns:r="http://schemas.openxmlformats.org/officeDocument/2006/relationships" xmlns:p="http://schemas.openxmlformats.org/presentationml/2006/main">
-  <p:cSld>
-    <p:spTree>
-      <p:nvGrpSpPr>
-        <p:cNvPr id="1" name=""/>
-        <p:cNvGrpSpPr/>
-        <p:nvPr/>
-      </p:nvGrpSpPr>
-      <p:grpSpPr>
-        <a:xfrm>
-          <a:off x="0" y="0"/>
-          <a:ext cx="0" cy="0"/>
-          <a:chOff x="0" y="0"/>
-          <a:chExt cx="0" cy="0"/>
-        </a:xfrm>
-      </p:grpSpPr>
-      <p:sp>
-        <p:nvSpPr>
-          <p:cNvPr id="2" name="1 Título"/>
-          <p:cNvSpPr>
-            <a:spLocks noGrp="1"/>
-          </p:cNvSpPr>
-          <p:nvPr>
-            <p:ph type="title"/>
-          </p:nvPr>
-        </p:nvSpPr>
-        <p:spPr/>
-        <p:txBody>
-          <a:bodyPr/>
-          <a:lstStyle/>
-          <a:p>
-            <a:pPr algn="ctr"/>
-            <a:r>
-              <a:rPr lang="es-ES" dirty="0" smtClean="0"/>
               <a:t>Imágenes y videos usados</a:t>
             </a:r>
             <a:endParaRPr lang="es-ES" dirty="0"/>
@@ -3857,7 +3775,7 @@
           <a:blip r:embed="rId2">
             <a:extLst>
               <a:ext uri="{28A0092B-C50C-407E-A947-70E740481C1C}">
-                <a14:useLocalDpi xmlns="" xmlns:a14="http://schemas.microsoft.com/office/drawing/2010/main" val="0"/>
+                <a14:useLocalDpi xmlns:a14="http://schemas.microsoft.com/office/drawing/2010/main" val="0"/>
               </a:ext>
             </a:extLst>
           </a:blip>
@@ -3881,14 +3799,14 @@
           <a:effectLst/>
           <a:extLst>
             <a:ext uri="{909E8E84-426E-40DD-AFC4-6F175D3DCCD1}">
-              <a14:hiddenFill xmlns="" xmlns:a14="http://schemas.microsoft.com/office/drawing/2010/main">
+              <a14:hiddenFill xmlns:a14="http://schemas.microsoft.com/office/drawing/2010/main">
                 <a:solidFill>
                   <a:schemeClr val="accent1"/>
                 </a:solidFill>
               </a14:hiddenFill>
             </a:ext>
             <a:ext uri="{91240B29-F687-4F45-9708-019B960494DF}">
-              <a14:hiddenLine xmlns="" xmlns:a14="http://schemas.microsoft.com/office/drawing/2010/main" w="9525">
+              <a14:hiddenLine xmlns:a14="http://schemas.microsoft.com/office/drawing/2010/main" w="9525">
                 <a:solidFill>
                   <a:schemeClr val="tx1"/>
                 </a:solidFill>
@@ -3898,7 +3816,7 @@
               </a14:hiddenLine>
             </a:ext>
             <a:ext uri="{AF507438-7753-43E0-B8FC-AC1667EBCBE1}">
-              <a14:hiddenEffects xmlns="" xmlns:a14="http://schemas.microsoft.com/office/drawing/2010/main">
+              <a14:hiddenEffects xmlns:a14="http://schemas.microsoft.com/office/drawing/2010/main">
                 <a:effectLst>
                   <a:outerShdw dist="35921" dir="2700000" algn="ctr" rotWithShape="0">
                     <a:schemeClr val="bg2"/>
@@ -3921,7 +3839,7 @@
           <a:blip r:embed="rId3">
             <a:extLst>
               <a:ext uri="{28A0092B-C50C-407E-A947-70E740481C1C}">
-                <a14:useLocalDpi xmlns="" xmlns:a14="http://schemas.microsoft.com/office/drawing/2010/main" val="0"/>
+                <a14:useLocalDpi xmlns:a14="http://schemas.microsoft.com/office/drawing/2010/main" val="0"/>
               </a:ext>
             </a:extLst>
           </a:blip>
@@ -3945,14 +3863,14 @@
           <a:effectLst/>
           <a:extLst>
             <a:ext uri="{909E8E84-426E-40DD-AFC4-6F175D3DCCD1}">
-              <a14:hiddenFill xmlns="" xmlns:a14="http://schemas.microsoft.com/office/drawing/2010/main">
+              <a14:hiddenFill xmlns:a14="http://schemas.microsoft.com/office/drawing/2010/main">
                 <a:solidFill>
                   <a:schemeClr val="accent1"/>
                 </a:solidFill>
               </a14:hiddenFill>
             </a:ext>
             <a:ext uri="{91240B29-F687-4F45-9708-019B960494DF}">
-              <a14:hiddenLine xmlns="" xmlns:a14="http://schemas.microsoft.com/office/drawing/2010/main" w="9525">
+              <a14:hiddenLine xmlns:a14="http://schemas.microsoft.com/office/drawing/2010/main" w="9525">
                 <a:solidFill>
                   <a:schemeClr val="tx1"/>
                 </a:solidFill>
@@ -3962,7 +3880,7 @@
               </a14:hiddenLine>
             </a:ext>
             <a:ext uri="{AF507438-7753-43E0-B8FC-AC1667EBCBE1}">
-              <a14:hiddenEffects xmlns="" xmlns:a14="http://schemas.microsoft.com/office/drawing/2010/main">
+              <a14:hiddenEffects xmlns:a14="http://schemas.microsoft.com/office/drawing/2010/main">
                 <a:effectLst>
                   <a:outerShdw dist="35921" dir="2700000" algn="ctr" rotWithShape="0">
                     <a:schemeClr val="bg2"/>
@@ -3976,7 +3894,187 @@
     </p:spTree>
     <p:extLst>
       <p:ext uri="{BB962C8B-B14F-4D97-AF65-F5344CB8AC3E}">
-        <p14:creationId xmlns="" xmlns:p14="http://schemas.microsoft.com/office/powerpoint/2010/main" val="1198299145"/>
+        <p14:creationId xmlns:p14="http://schemas.microsoft.com/office/powerpoint/2010/main" val="1198299145"/>
+      </p:ext>
+    </p:extLst>
+  </p:cSld>
+  <p:clrMapOvr>
+    <a:masterClrMapping/>
+  </p:clrMapOvr>
+  <p:timing>
+    <p:tnLst>
+      <p:par>
+        <p:cTn id="1" dur="indefinite" restart="never" nodeType="tmRoot"/>
+      </p:par>
+    </p:tnLst>
+  </p:timing>
+</p:sld>
+</file>
+
+<file path=ppt/slides/slide11.xml><?xml version="1.0" encoding="utf-8"?>
+<p:sld xmlns:a="http://schemas.openxmlformats.org/drawingml/2006/main" xmlns:r="http://schemas.openxmlformats.org/officeDocument/2006/relationships" xmlns:p="http://schemas.openxmlformats.org/presentationml/2006/main">
+  <p:cSld>
+    <p:spTree>
+      <p:nvGrpSpPr>
+        <p:cNvPr id="1" name=""/>
+        <p:cNvGrpSpPr/>
+        <p:nvPr/>
+      </p:nvGrpSpPr>
+      <p:grpSpPr>
+        <a:xfrm>
+          <a:off x="0" y="0"/>
+          <a:ext cx="0" cy="0"/>
+          <a:chOff x="0" y="0"/>
+          <a:chExt cx="0" cy="0"/>
+        </a:xfrm>
+      </p:grpSpPr>
+      <p:sp>
+        <p:nvSpPr>
+          <p:cNvPr id="2" name="1 Título"/>
+          <p:cNvSpPr>
+            <a:spLocks noGrp="1"/>
+          </p:cNvSpPr>
+          <p:nvPr>
+            <p:ph type="title"/>
+          </p:nvPr>
+        </p:nvSpPr>
+        <p:spPr>
+          <a:xfrm>
+            <a:off x="714348" y="285728"/>
+            <a:ext cx="7467600" cy="1143000"/>
+          </a:xfrm>
+        </p:spPr>
+        <p:txBody>
+          <a:bodyPr/>
+          <a:lstStyle/>
+          <a:p>
+            <a:pPr algn="ctr"/>
+            <a:r>
+              <a:rPr lang="es-ES" dirty="0" smtClean="0"/>
+              <a:t>Numero de páginas</a:t>
+            </a:r>
+            <a:endParaRPr lang="es-ES" dirty="0"/>
+          </a:p>
+        </p:txBody>
+      </p:sp>
+      <p:sp>
+        <p:nvSpPr>
+          <p:cNvPr id="3" name="2 Marcador de contenido"/>
+          <p:cNvSpPr>
+            <a:spLocks noGrp="1"/>
+          </p:cNvSpPr>
+          <p:nvPr>
+            <p:ph idx="1"/>
+          </p:nvPr>
+        </p:nvSpPr>
+        <p:spPr>
+          <a:xfrm>
+            <a:off x="457200" y="1600201"/>
+            <a:ext cx="3106688" cy="2404863"/>
+          </a:xfrm>
+        </p:spPr>
+        <p:txBody>
+          <a:bodyPr/>
+          <a:lstStyle/>
+          <a:p>
+            <a:r>
+              <a:rPr lang="es-ES" dirty="0" err="1" smtClean="0"/>
+              <a:t>Index</a:t>
+            </a:r>
+            <a:endParaRPr lang="es-ES" dirty="0" smtClean="0"/>
+          </a:p>
+          <a:p>
+            <a:pPr lvl="1"/>
+            <a:r>
+              <a:rPr lang="es-ES" dirty="0" smtClean="0"/>
+              <a:t>Noticias</a:t>
+            </a:r>
+          </a:p>
+          <a:p>
+            <a:pPr lvl="1"/>
+            <a:r>
+              <a:rPr lang="es-ES" dirty="0" smtClean="0"/>
+              <a:t>Noticias-2</a:t>
+            </a:r>
+          </a:p>
+          <a:p>
+            <a:pPr lvl="1"/>
+            <a:r>
+              <a:rPr lang="es-ES" dirty="0" smtClean="0"/>
+              <a:t>Registro.</a:t>
+            </a:r>
+            <a:endParaRPr lang="es-ES" dirty="0"/>
+          </a:p>
+        </p:txBody>
+      </p:sp>
+      <p:pic>
+        <p:nvPicPr>
+          <p:cNvPr id="7170" name="Picture 2"/>
+          <p:cNvPicPr>
+            <a:picLocks noChangeAspect="1" noChangeArrowheads="1"/>
+          </p:cNvPicPr>
+          <p:nvPr/>
+        </p:nvPicPr>
+        <p:blipFill>
+          <a:blip r:embed="rId2">
+            <a:extLst>
+              <a:ext uri="{28A0092B-C50C-407E-A947-70E740481C1C}">
+                <a14:useLocalDpi xmlns:a14="http://schemas.microsoft.com/office/drawing/2010/main" val="0"/>
+              </a:ext>
+            </a:extLst>
+          </a:blip>
+          <a:srcRect/>
+          <a:stretch>
+            <a:fillRect/>
+          </a:stretch>
+        </p:blipFill>
+        <p:spPr bwMode="auto">
+          <a:xfrm>
+            <a:off x="2234921" y="3820193"/>
+            <a:ext cx="4895850" cy="752475"/>
+          </a:xfrm>
+          <a:prstGeom prst="rect">
+            <a:avLst/>
+          </a:prstGeom>
+          <a:noFill/>
+          <a:ln>
+            <a:noFill/>
+          </a:ln>
+          <a:effectLst/>
+          <a:extLst>
+            <a:ext uri="{909E8E84-426E-40DD-AFC4-6F175D3DCCD1}">
+              <a14:hiddenFill xmlns:a14="http://schemas.microsoft.com/office/drawing/2010/main">
+                <a:solidFill>
+                  <a:schemeClr val="accent1"/>
+                </a:solidFill>
+              </a14:hiddenFill>
+            </a:ext>
+            <a:ext uri="{91240B29-F687-4F45-9708-019B960494DF}">
+              <a14:hiddenLine xmlns:a14="http://schemas.microsoft.com/office/drawing/2010/main" w="9525">
+                <a:solidFill>
+                  <a:schemeClr val="tx1"/>
+                </a:solidFill>
+                <a:miter lim="800000"/>
+                <a:headEnd/>
+                <a:tailEnd/>
+              </a14:hiddenLine>
+            </a:ext>
+            <a:ext uri="{AF507438-7753-43E0-B8FC-AC1667EBCBE1}">
+              <a14:hiddenEffects xmlns:a14="http://schemas.microsoft.com/office/drawing/2010/main">
+                <a:effectLst>
+                  <a:outerShdw dist="35921" dir="2700000" algn="ctr" rotWithShape="0">
+                    <a:schemeClr val="bg2"/>
+                  </a:outerShdw>
+                </a:effectLst>
+              </a14:hiddenEffects>
+            </a:ext>
+          </a:extLst>
+        </p:spPr>
+      </p:pic>
+    </p:spTree>
+    <p:extLst>
+      <p:ext uri="{BB962C8B-B14F-4D97-AF65-F5344CB8AC3E}">
+        <p14:creationId xmlns:p14="http://schemas.microsoft.com/office/powerpoint/2010/main" val="2286391177"/>
       </p:ext>
     </p:extLst>
   </p:cSld>
@@ -4020,12 +4118,7 @@
             <p:ph type="title"/>
           </p:nvPr>
         </p:nvSpPr>
-        <p:spPr>
-          <a:xfrm>
-            <a:off x="714348" y="285728"/>
-            <a:ext cx="7467600" cy="1143000"/>
-          </a:xfrm>
-        </p:spPr>
+        <p:spPr/>
         <p:txBody>
           <a:bodyPr/>
           <a:lstStyle/>
@@ -4033,7 +4126,7 @@
             <a:pPr algn="ctr"/>
             <a:r>
               <a:rPr lang="es-ES" dirty="0" smtClean="0"/>
-              <a:t>Numero de páginas</a:t>
+              <a:t>Reparto de trabajo</a:t>
             </a:r>
             <a:endParaRPr lang="es-ES" dirty="0"/>
           </a:p>
@@ -4049,114 +4142,46 @@
             <p:ph idx="1"/>
           </p:nvPr>
         </p:nvSpPr>
-        <p:spPr>
-          <a:xfrm>
-            <a:off x="457200" y="1600201"/>
-            <a:ext cx="3106688" cy="2404863"/>
-          </a:xfrm>
-        </p:spPr>
+        <p:spPr/>
         <p:txBody>
           <a:bodyPr/>
           <a:lstStyle/>
           <a:p>
             <a:r>
-              <a:rPr lang="es-ES" dirty="0" err="1" smtClean="0"/>
-              <a:t>Index</a:t>
-            </a:r>
-            <a:endParaRPr lang="es-ES" dirty="0" smtClean="0"/>
+              <a:rPr lang="es-ES" dirty="0" smtClean="0"/>
+              <a:t>Estructura externa del proyecto.</a:t>
+            </a:r>
           </a:p>
           <a:p>
             <a:pPr lvl="1"/>
             <a:r>
               <a:rPr lang="es-ES" dirty="0" smtClean="0"/>
-              <a:t>Noticias</a:t>
+              <a:t>José María, Cristian, Daniel, Yeison.</a:t>
+            </a:r>
+          </a:p>
+          <a:p>
+            <a:r>
+              <a:rPr lang="es-ES" dirty="0" smtClean="0"/>
+              <a:t>Estructura interna del proyecto.</a:t>
             </a:r>
           </a:p>
           <a:p>
             <a:pPr lvl="1"/>
             <a:r>
               <a:rPr lang="es-ES" dirty="0" smtClean="0"/>
-              <a:t>Noticias-2</a:t>
+              <a:t>José María, Cristian, Daniel, Adrian.</a:t>
             </a:r>
           </a:p>
           <a:p>
             <a:pPr lvl="1"/>
-            <a:r>
-              <a:rPr lang="es-ES" dirty="0" smtClean="0"/>
-              <a:t>Registro.</a:t>
-            </a:r>
             <a:endParaRPr lang="es-ES" dirty="0"/>
           </a:p>
         </p:txBody>
       </p:sp>
-      <p:pic>
-        <p:nvPicPr>
-          <p:cNvPr id="7170" name="Picture 2"/>
-          <p:cNvPicPr>
-            <a:picLocks noChangeAspect="1" noChangeArrowheads="1"/>
-          </p:cNvPicPr>
-          <p:nvPr/>
-        </p:nvPicPr>
-        <p:blipFill>
-          <a:blip r:embed="rId2">
-            <a:extLst>
-              <a:ext uri="{28A0092B-C50C-407E-A947-70E740481C1C}">
-                <a14:useLocalDpi xmlns="" xmlns:a14="http://schemas.microsoft.com/office/drawing/2010/main" val="0"/>
-              </a:ext>
-            </a:extLst>
-          </a:blip>
-          <a:srcRect/>
-          <a:stretch>
-            <a:fillRect/>
-          </a:stretch>
-        </p:blipFill>
-        <p:spPr bwMode="auto">
-          <a:xfrm>
-            <a:off x="2234921" y="3820193"/>
-            <a:ext cx="4895850" cy="752475"/>
-          </a:xfrm>
-          <a:prstGeom prst="rect">
-            <a:avLst/>
-          </a:prstGeom>
-          <a:noFill/>
-          <a:ln>
-            <a:noFill/>
-          </a:ln>
-          <a:effectLst/>
-          <a:extLst>
-            <a:ext uri="{909E8E84-426E-40DD-AFC4-6F175D3DCCD1}">
-              <a14:hiddenFill xmlns="" xmlns:a14="http://schemas.microsoft.com/office/drawing/2010/main">
-                <a:solidFill>
-                  <a:schemeClr val="accent1"/>
-                </a:solidFill>
-              </a14:hiddenFill>
-            </a:ext>
-            <a:ext uri="{91240B29-F687-4F45-9708-019B960494DF}">
-              <a14:hiddenLine xmlns="" xmlns:a14="http://schemas.microsoft.com/office/drawing/2010/main" w="9525">
-                <a:solidFill>
-                  <a:schemeClr val="tx1"/>
-                </a:solidFill>
-                <a:miter lim="800000"/>
-                <a:headEnd/>
-                <a:tailEnd/>
-              </a14:hiddenLine>
-            </a:ext>
-            <a:ext uri="{AF507438-7753-43E0-B8FC-AC1667EBCBE1}">
-              <a14:hiddenEffects xmlns="" xmlns:a14="http://schemas.microsoft.com/office/drawing/2010/main">
-                <a:effectLst>
-                  <a:outerShdw dist="35921" dir="2700000" algn="ctr" rotWithShape="0">
-                    <a:schemeClr val="bg2"/>
-                  </a:outerShdw>
-                </a:effectLst>
-              </a14:hiddenEffects>
-            </a:ext>
-          </a:extLst>
-        </p:spPr>
-      </p:pic>
     </p:spTree>
     <p:extLst>
       <p:ext uri="{BB962C8B-B14F-4D97-AF65-F5344CB8AC3E}">
-        <p14:creationId xmlns="" xmlns:p14="http://schemas.microsoft.com/office/powerpoint/2010/main" val="2286391177"/>
+        <p14:creationId xmlns:p14="http://schemas.microsoft.com/office/powerpoint/2010/main" val="2048912565"/>
       </p:ext>
     </p:extLst>
   </p:cSld>
@@ -4174,113 +4199,6 @@
 </file>
 
 <file path=ppt/slides/slide13.xml><?xml version="1.0" encoding="utf-8"?>
-<p:sld xmlns:a="http://schemas.openxmlformats.org/drawingml/2006/main" xmlns:r="http://schemas.openxmlformats.org/officeDocument/2006/relationships" xmlns:p="http://schemas.openxmlformats.org/presentationml/2006/main">
-  <p:cSld>
-    <p:spTree>
-      <p:nvGrpSpPr>
-        <p:cNvPr id="1" name=""/>
-        <p:cNvGrpSpPr/>
-        <p:nvPr/>
-      </p:nvGrpSpPr>
-      <p:grpSpPr>
-        <a:xfrm>
-          <a:off x="0" y="0"/>
-          <a:ext cx="0" cy="0"/>
-          <a:chOff x="0" y="0"/>
-          <a:chExt cx="0" cy="0"/>
-        </a:xfrm>
-      </p:grpSpPr>
-      <p:sp>
-        <p:nvSpPr>
-          <p:cNvPr id="2" name="1 Título"/>
-          <p:cNvSpPr>
-            <a:spLocks noGrp="1"/>
-          </p:cNvSpPr>
-          <p:nvPr>
-            <p:ph type="title"/>
-          </p:nvPr>
-        </p:nvSpPr>
-        <p:spPr/>
-        <p:txBody>
-          <a:bodyPr/>
-          <a:lstStyle/>
-          <a:p>
-            <a:pPr algn="ctr"/>
-            <a:r>
-              <a:rPr lang="es-ES" dirty="0" smtClean="0"/>
-              <a:t>Reparto de trabajo</a:t>
-            </a:r>
-            <a:endParaRPr lang="es-ES" dirty="0"/>
-          </a:p>
-        </p:txBody>
-      </p:sp>
-      <p:sp>
-        <p:nvSpPr>
-          <p:cNvPr id="3" name="2 Marcador de contenido"/>
-          <p:cNvSpPr>
-            <a:spLocks noGrp="1"/>
-          </p:cNvSpPr>
-          <p:nvPr>
-            <p:ph idx="1"/>
-          </p:nvPr>
-        </p:nvSpPr>
-        <p:spPr/>
-        <p:txBody>
-          <a:bodyPr/>
-          <a:lstStyle/>
-          <a:p>
-            <a:r>
-              <a:rPr lang="es-ES" dirty="0" smtClean="0"/>
-              <a:t>Estructura externa del proyecto.</a:t>
-            </a:r>
-          </a:p>
-          <a:p>
-            <a:pPr lvl="1"/>
-            <a:r>
-              <a:rPr lang="es-ES" dirty="0" smtClean="0"/>
-              <a:t>José María, Cristian, Daniel, Yeison.</a:t>
-            </a:r>
-          </a:p>
-          <a:p>
-            <a:r>
-              <a:rPr lang="es-ES" dirty="0" smtClean="0"/>
-              <a:t>Estructura interna del proyecto.</a:t>
-            </a:r>
-          </a:p>
-          <a:p>
-            <a:pPr lvl="1"/>
-            <a:r>
-              <a:rPr lang="es-ES" dirty="0" smtClean="0"/>
-              <a:t>José María, Cristian, Daniel, Adrian.</a:t>
-            </a:r>
-          </a:p>
-          <a:p>
-            <a:pPr lvl="1"/>
-            <a:endParaRPr lang="es-ES" dirty="0"/>
-          </a:p>
-        </p:txBody>
-      </p:sp>
-    </p:spTree>
-    <p:extLst>
-      <p:ext uri="{BB962C8B-B14F-4D97-AF65-F5344CB8AC3E}">
-        <p14:creationId xmlns="" xmlns:p14="http://schemas.microsoft.com/office/powerpoint/2010/main" val="2048912565"/>
-      </p:ext>
-    </p:extLst>
-  </p:cSld>
-  <p:clrMapOvr>
-    <a:masterClrMapping/>
-  </p:clrMapOvr>
-  <p:timing>
-    <p:tnLst>
-      <p:par>
-        <p:cTn id="1" dur="indefinite" restart="never" nodeType="tmRoot"/>
-      </p:par>
-    </p:tnLst>
-  </p:timing>
-</p:sld>
-</file>
-
-<file path=ppt/slides/slide14.xml><?xml version="1.0" encoding="utf-8"?>
 <p:sld xmlns:a="http://schemas.openxmlformats.org/drawingml/2006/main" xmlns:r="http://schemas.openxmlformats.org/officeDocument/2006/relationships" xmlns:p="http://schemas.openxmlformats.org/presentationml/2006/main">
   <p:cSld>
     <p:spTree>
@@ -4340,6 +4258,100 @@
 </p:sld>
 </file>
 
+<file path=ppt/slides/slide14.xml><?xml version="1.0" encoding="utf-8"?>
+<p:sld xmlns:a="http://schemas.openxmlformats.org/drawingml/2006/main" xmlns:r="http://schemas.openxmlformats.org/officeDocument/2006/relationships" xmlns:p="http://schemas.openxmlformats.org/presentationml/2006/main">
+  <p:cSld>
+    <p:spTree>
+      <p:nvGrpSpPr>
+        <p:cNvPr id="1" name=""/>
+        <p:cNvGrpSpPr/>
+        <p:nvPr/>
+      </p:nvGrpSpPr>
+      <p:grpSpPr>
+        <a:xfrm>
+          <a:off x="0" y="0"/>
+          <a:ext cx="0" cy="0"/>
+          <a:chOff x="0" y="0"/>
+          <a:chExt cx="0" cy="0"/>
+        </a:xfrm>
+      </p:grpSpPr>
+      <p:pic>
+        <p:nvPicPr>
+          <p:cNvPr id="1026" name="Picture 2"/>
+          <p:cNvPicPr>
+            <a:picLocks noChangeAspect="1" noChangeArrowheads="1"/>
+          </p:cNvPicPr>
+          <p:nvPr/>
+        </p:nvPicPr>
+        <p:blipFill>
+          <a:blip r:embed="rId2">
+            <a:extLst>
+              <a:ext uri="{28A0092B-C50C-407E-A947-70E740481C1C}">
+                <a14:useLocalDpi xmlns:a14="http://schemas.microsoft.com/office/drawing/2010/main" val="0"/>
+              </a:ext>
+            </a:extLst>
+          </a:blip>
+          <a:srcRect/>
+          <a:stretch>
+            <a:fillRect/>
+          </a:stretch>
+        </p:blipFill>
+        <p:spPr bwMode="auto">
+          <a:xfrm>
+            <a:off x="1468372" y="661329"/>
+            <a:ext cx="5688111" cy="5415141"/>
+          </a:xfrm>
+          <a:prstGeom prst="rect">
+            <a:avLst/>
+          </a:prstGeom>
+          <a:noFill/>
+          <a:ln>
+            <a:noFill/>
+          </a:ln>
+          <a:effectLst/>
+          <a:extLst>
+            <a:ext uri="{909E8E84-426E-40DD-AFC4-6F175D3DCCD1}">
+              <a14:hiddenFill xmlns:a14="http://schemas.microsoft.com/office/drawing/2010/main">
+                <a:solidFill>
+                  <a:schemeClr val="accent1"/>
+                </a:solidFill>
+              </a14:hiddenFill>
+            </a:ext>
+            <a:ext uri="{91240B29-F687-4F45-9708-019B960494DF}">
+              <a14:hiddenLine xmlns:a14="http://schemas.microsoft.com/office/drawing/2010/main" w="9525">
+                <a:solidFill>
+                  <a:schemeClr val="tx1"/>
+                </a:solidFill>
+                <a:miter lim="800000"/>
+                <a:headEnd/>
+                <a:tailEnd/>
+              </a14:hiddenLine>
+            </a:ext>
+            <a:ext uri="{AF507438-7753-43E0-B8FC-AC1667EBCBE1}">
+              <a14:hiddenEffects xmlns:a14="http://schemas.microsoft.com/office/drawing/2010/main">
+                <a:effectLst>
+                  <a:outerShdw dist="35921" dir="2700000" algn="ctr" rotWithShape="0">
+                    <a:schemeClr val="bg2"/>
+                  </a:outerShdw>
+                </a:effectLst>
+              </a14:hiddenEffects>
+            </a:ext>
+          </a:extLst>
+        </p:spPr>
+      </p:pic>
+    </p:spTree>
+    <p:extLst>
+      <p:ext uri="{BB962C8B-B14F-4D97-AF65-F5344CB8AC3E}">
+        <p14:creationId xmlns:p14="http://schemas.microsoft.com/office/powerpoint/2010/main" val="1773194423"/>
+      </p:ext>
+    </p:extLst>
+  </p:cSld>
+  <p:clrMapOvr>
+    <a:masterClrMapping/>
+  </p:clrMapOvr>
+</p:sld>
+</file>
+
 <file path=ppt/slides/slide15.xml><?xml version="1.0" encoding="utf-8"?>
 <p:sld xmlns:a="http://schemas.openxmlformats.org/drawingml/2006/main" xmlns:r="http://schemas.openxmlformats.org/officeDocument/2006/relationships" xmlns:p="http://schemas.openxmlformats.org/presentationml/2006/main">
   <p:cSld>
@@ -4533,7 +4545,7 @@
         <p:spPr/>
         <p:txBody>
           <a:bodyPr>
-            <a:normAutofit fontScale="77500" lnSpcReduction="20000"/>
+            <a:normAutofit fontScale="85000" lnSpcReduction="20000"/>
           </a:bodyPr>
           <a:lstStyle/>
           <a:p>
@@ -4545,17 +4557,8 @@
           <a:p>
             <a:r>
               <a:rPr lang="es-ES" dirty="0" smtClean="0"/>
-              <a:t> Diseño en </a:t>
-            </a:r>
-            <a:r>
-              <a:rPr lang="es-ES" dirty="0" err="1" smtClean="0"/>
-              <a:t>A</a:t>
-            </a:r>
-            <a:r>
-              <a:rPr lang="es-ES" dirty="0" err="1" smtClean="0"/>
-              <a:t>xure</a:t>
-            </a:r>
-            <a:endParaRPr lang="es-ES" dirty="0" smtClean="0"/>
+              <a:t> Diseño en Axure</a:t>
+            </a:r>
           </a:p>
           <a:p>
             <a:r>
@@ -4575,13 +4578,6 @@
             <a:r>
               <a:rPr lang="es-ES" dirty="0" smtClean="0"/>
               <a:t>Estructura interna de los directorios</a:t>
-            </a:r>
-          </a:p>
-          <a:p>
-            <a:pPr lvl="1"/>
-            <a:r>
-              <a:rPr lang="es-ES" dirty="0" smtClean="0"/>
-              <a:t>Layout y vendors</a:t>
             </a:r>
           </a:p>
           <a:p>
@@ -4637,7 +4633,7 @@
     </p:spTree>
     <p:extLst>
       <p:ext uri="{BB962C8B-B14F-4D97-AF65-F5344CB8AC3E}">
-        <p14:creationId xmlns="" xmlns:p14="http://schemas.microsoft.com/office/powerpoint/2010/main" val="4071050"/>
+        <p14:creationId xmlns:p14="http://schemas.microsoft.com/office/powerpoint/2010/main" val="4071050"/>
       </p:ext>
     </p:extLst>
   </p:cSld>
@@ -4761,7 +4757,7 @@
     </p:spTree>
     <p:extLst>
       <p:ext uri="{BB962C8B-B14F-4D97-AF65-F5344CB8AC3E}">
-        <p14:creationId xmlns="" xmlns:p14="http://schemas.microsoft.com/office/powerpoint/2010/main" val="996472626"/>
+        <p14:creationId xmlns:p14="http://schemas.microsoft.com/office/powerpoint/2010/main" val="996472626"/>
       </p:ext>
     </p:extLst>
   </p:cSld>
@@ -4898,7 +4894,7 @@
     </p:spTree>
     <p:extLst>
       <p:ext uri="{BB962C8B-B14F-4D97-AF65-F5344CB8AC3E}">
-        <p14:creationId xmlns="" xmlns:p14="http://schemas.microsoft.com/office/powerpoint/2010/main" val="3672876191"/>
+        <p14:creationId xmlns:p14="http://schemas.microsoft.com/office/powerpoint/2010/main" val="3672876191"/>
       </p:ext>
     </p:extLst>
   </p:cSld>
@@ -4975,7 +4971,7 @@
           <a:p>
             <a:r>
               <a:rPr lang="es-ES" dirty="0" smtClean="0"/>
-              <a:t>arquitectura 7:1.</a:t>
+              <a:t>arquitectura 5:1.</a:t>
             </a:r>
           </a:p>
           <a:p>
@@ -5010,27 +5006,12 @@
           <a:p>
             <a:pPr lvl="1"/>
             <a:r>
+              <a:rPr lang="es-ES" dirty="0" smtClean="0"/>
+              <a:t>abstracts</a:t>
+            </a:r>
+            <a:r>
               <a:rPr lang="es-ES" dirty="0"/>
-              <a:t>pages/</a:t>
-            </a:r>
-          </a:p>
-          <a:p>
-            <a:pPr lvl="1"/>
-            <a:r>
-              <a:rPr lang="es-ES" dirty="0"/>
-              <a:t>themes</a:t>
-            </a:r>
-            <a:r>
-              <a:rPr lang="es-ES" dirty="0" smtClean="0"/>
               <a:t>/</a:t>
-            </a:r>
-            <a:endParaRPr lang="es-ES" dirty="0"/>
-          </a:p>
-          <a:p>
-            <a:pPr lvl="1"/>
-            <a:r>
-              <a:rPr lang="es-ES" dirty="0"/>
-              <a:t>abstracts/</a:t>
             </a:r>
           </a:p>
           <a:p>
@@ -5043,8 +5024,12 @@
           <a:p>
             <a:pPr lvl="1"/>
             <a:r>
-              <a:rPr lang="es-ES" dirty="0" smtClean="0"/>
-              <a:t>Main.scss</a:t>
+              <a:rPr lang="es-ES" dirty="0" err="1"/>
+              <a:t>m</a:t>
+            </a:r>
+            <a:r>
+              <a:rPr lang="es-ES" dirty="0" err="1" smtClean="0"/>
+              <a:t>ain.scss</a:t>
             </a:r>
             <a:endParaRPr lang="es-ES" dirty="0"/>
           </a:p>
@@ -5053,7 +5038,7 @@
     </p:spTree>
     <p:extLst>
       <p:ext uri="{BB962C8B-B14F-4D97-AF65-F5344CB8AC3E}">
-        <p14:creationId xmlns="" xmlns:p14="http://schemas.microsoft.com/office/powerpoint/2010/main" val="3803415938"/>
+        <p14:creationId xmlns:p14="http://schemas.microsoft.com/office/powerpoint/2010/main" val="3803415938"/>
       </p:ext>
     </p:extLst>
   </p:cSld>
@@ -5123,7 +5108,7 @@
           <a:blip r:embed="rId2">
             <a:extLst>
               <a:ext uri="{28A0092B-C50C-407E-A947-70E740481C1C}">
-                <a14:useLocalDpi xmlns="" xmlns:a14="http://schemas.microsoft.com/office/drawing/2010/main" val="0"/>
+                <a14:useLocalDpi xmlns:a14="http://schemas.microsoft.com/office/drawing/2010/main" val="0"/>
               </a:ext>
             </a:extLst>
           </a:blip>
@@ -5147,14 +5132,14 @@
           <a:effectLst/>
           <a:extLst>
             <a:ext uri="{909E8E84-426E-40DD-AFC4-6F175D3DCCD1}">
-              <a14:hiddenFill xmlns="" xmlns:a14="http://schemas.microsoft.com/office/drawing/2010/main">
+              <a14:hiddenFill xmlns:a14="http://schemas.microsoft.com/office/drawing/2010/main">
                 <a:solidFill>
                   <a:schemeClr val="accent1"/>
                 </a:solidFill>
               </a14:hiddenFill>
             </a:ext>
             <a:ext uri="{91240B29-F687-4F45-9708-019B960494DF}">
-              <a14:hiddenLine xmlns="" xmlns:a14="http://schemas.microsoft.com/office/drawing/2010/main" w="9525">
+              <a14:hiddenLine xmlns:a14="http://schemas.microsoft.com/office/drawing/2010/main" w="9525">
                 <a:solidFill>
                   <a:schemeClr val="tx1"/>
                 </a:solidFill>
@@ -5164,7 +5149,7 @@
               </a14:hiddenLine>
             </a:ext>
             <a:ext uri="{AF507438-7753-43E0-B8FC-AC1667EBCBE1}">
-              <a14:hiddenEffects xmlns="" xmlns:a14="http://schemas.microsoft.com/office/drawing/2010/main">
+              <a14:hiddenEffects xmlns:a14="http://schemas.microsoft.com/office/drawing/2010/main">
                 <a:effectLst>
                   <a:outerShdw dist="35921" dir="2700000" algn="ctr" rotWithShape="0">
                     <a:schemeClr val="bg2"/>
@@ -5211,7 +5196,7 @@
     </p:spTree>
     <p:extLst>
       <p:ext uri="{BB962C8B-B14F-4D97-AF65-F5344CB8AC3E}">
-        <p14:creationId xmlns="" xmlns:p14="http://schemas.microsoft.com/office/powerpoint/2010/main" val="1350014253"/>
+        <p14:creationId xmlns:p14="http://schemas.microsoft.com/office/powerpoint/2010/main" val="1350014253"/>
       </p:ext>
     </p:extLst>
   </p:cSld>
@@ -5273,14 +5258,20 @@
       </p:sp>
       <p:pic>
         <p:nvPicPr>
-          <p:cNvPr id="1030" name="Picture 6"/>
+          <p:cNvPr id="5" name="Picture 2"/>
           <p:cNvPicPr>
             <a:picLocks noChangeAspect="1" noChangeArrowheads="1"/>
           </p:cNvPicPr>
           <p:nvPr/>
         </p:nvPicPr>
         <p:blipFill>
-          <a:blip r:embed="rId2"/>
+          <a:blip r:embed="rId2">
+            <a:extLst>
+              <a:ext uri="{28A0092B-C50C-407E-A947-70E740481C1C}">
+                <a14:useLocalDpi xmlns:a14="http://schemas.microsoft.com/office/drawing/2010/main" val="0"/>
+              </a:ext>
+            </a:extLst>
+          </a:blip>
           <a:srcRect/>
           <a:stretch>
             <a:fillRect/>
@@ -5288,8 +5279,66 @@
         </p:blipFill>
         <p:spPr bwMode="auto">
           <a:xfrm>
-            <a:off x="500034" y="1714488"/>
-            <a:ext cx="5572125" cy="1704975"/>
+            <a:off x="3500430" y="3786190"/>
+            <a:ext cx="4762500" cy="1666875"/>
+          </a:xfrm>
+          <a:prstGeom prst="rect">
+            <a:avLst/>
+          </a:prstGeom>
+          <a:noFill/>
+          <a:ln>
+            <a:noFill/>
+          </a:ln>
+          <a:effectLst/>
+          <a:extLst>
+            <a:ext uri="{909E8E84-426E-40DD-AFC4-6F175D3DCCD1}">
+              <a14:hiddenFill xmlns:a14="http://schemas.microsoft.com/office/drawing/2010/main">
+                <a:solidFill>
+                  <a:schemeClr val="accent1"/>
+                </a:solidFill>
+              </a14:hiddenFill>
+            </a:ext>
+            <a:ext uri="{91240B29-F687-4F45-9708-019B960494DF}">
+              <a14:hiddenLine xmlns:a14="http://schemas.microsoft.com/office/drawing/2010/main" w="9525">
+                <a:solidFill>
+                  <a:schemeClr val="tx1"/>
+                </a:solidFill>
+                <a:miter lim="800000"/>
+                <a:headEnd/>
+                <a:tailEnd/>
+              </a14:hiddenLine>
+            </a:ext>
+            <a:ext uri="{AF507438-7753-43E0-B8FC-AC1667EBCBE1}">
+              <a14:hiddenEffects xmlns:a14="http://schemas.microsoft.com/office/drawing/2010/main">
+                <a:effectLst>
+                  <a:outerShdw dist="35921" dir="2700000" algn="ctr" rotWithShape="0">
+                    <a:schemeClr val="bg2"/>
+                  </a:outerShdw>
+                </a:effectLst>
+              </a14:hiddenEffects>
+            </a:ext>
+          </a:extLst>
+        </p:spPr>
+      </p:pic>
+      <p:pic>
+        <p:nvPicPr>
+          <p:cNvPr id="6" name="Picture 2"/>
+          <p:cNvPicPr>
+            <a:picLocks noChangeAspect="1" noChangeArrowheads="1"/>
+          </p:cNvPicPr>
+          <p:nvPr/>
+        </p:nvPicPr>
+        <p:blipFill>
+          <a:blip r:embed="rId3"/>
+          <a:srcRect/>
+          <a:stretch>
+            <a:fillRect/>
+          </a:stretch>
+        </p:blipFill>
+        <p:spPr bwMode="auto">
+          <a:xfrm>
+            <a:off x="571472" y="1857364"/>
+            <a:ext cx="5743575" cy="1743075"/>
           </a:xfrm>
           <a:prstGeom prst="rect">
             <a:avLst/>
@@ -5306,14 +5355,20 @@
       </p:pic>
       <p:pic>
         <p:nvPicPr>
-          <p:cNvPr id="1031" name="Picture 7"/>
+          <p:cNvPr id="1026" name="Picture 2"/>
           <p:cNvPicPr>
             <a:picLocks noChangeAspect="1" noChangeArrowheads="1"/>
           </p:cNvPicPr>
           <p:nvPr/>
         </p:nvPicPr>
         <p:blipFill>
-          <a:blip r:embed="rId3"/>
+          <a:blip r:embed="rId4">
+            <a:extLst>
+              <a:ext uri="{28A0092B-C50C-407E-A947-70E740481C1C}">
+                <a14:useLocalDpi xmlns:a14="http://schemas.microsoft.com/office/drawing/2010/main" val="0"/>
+              </a:ext>
+            </a:extLst>
+          </a:blip>
           <a:srcRect/>
           <a:stretch>
             <a:fillRect/>
@@ -5321,26 +5376,115 @@
         </p:blipFill>
         <p:spPr bwMode="auto">
           <a:xfrm>
-            <a:off x="2643174" y="3643314"/>
-            <a:ext cx="5676900" cy="1704975"/>
+            <a:off x="6376833" y="2395526"/>
+            <a:ext cx="1885950" cy="666750"/>
           </a:xfrm>
           <a:prstGeom prst="rect">
             <a:avLst/>
           </a:prstGeom>
           <a:noFill/>
-          <a:ln w="9525">
+          <a:ln>
             <a:noFill/>
-            <a:miter lim="800000"/>
-            <a:headEnd/>
-            <a:tailEnd/>
           </a:ln>
           <a:effectLst/>
+          <a:extLst>
+            <a:ext uri="{909E8E84-426E-40DD-AFC4-6F175D3DCCD1}">
+              <a14:hiddenFill xmlns:a14="http://schemas.microsoft.com/office/drawing/2010/main">
+                <a:solidFill>
+                  <a:schemeClr val="accent1"/>
+                </a:solidFill>
+              </a14:hiddenFill>
+            </a:ext>
+            <a:ext uri="{91240B29-F687-4F45-9708-019B960494DF}">
+              <a14:hiddenLine xmlns:a14="http://schemas.microsoft.com/office/drawing/2010/main" w="9525">
+                <a:solidFill>
+                  <a:schemeClr val="tx1"/>
+                </a:solidFill>
+                <a:miter lim="800000"/>
+                <a:headEnd/>
+                <a:tailEnd/>
+              </a14:hiddenLine>
+            </a:ext>
+            <a:ext uri="{AF507438-7753-43E0-B8FC-AC1667EBCBE1}">
+              <a14:hiddenEffects xmlns:a14="http://schemas.microsoft.com/office/drawing/2010/main">
+                <a:effectLst>
+                  <a:outerShdw dist="35921" dir="2700000" algn="ctr" rotWithShape="0">
+                    <a:schemeClr val="bg2"/>
+                  </a:outerShdw>
+                </a:effectLst>
+              </a14:hiddenEffects>
+            </a:ext>
+          </a:extLst>
+        </p:spPr>
+      </p:pic>
+      <p:pic>
+        <p:nvPicPr>
+          <p:cNvPr id="1027" name="Picture 3"/>
+          <p:cNvPicPr>
+            <a:picLocks noChangeAspect="1" noChangeArrowheads="1"/>
+          </p:cNvPicPr>
+          <p:nvPr/>
+        </p:nvPicPr>
+        <p:blipFill>
+          <a:blip r:embed="rId5">
+            <a:extLst>
+              <a:ext uri="{28A0092B-C50C-407E-A947-70E740481C1C}">
+                <a14:useLocalDpi xmlns:a14="http://schemas.microsoft.com/office/drawing/2010/main" val="0"/>
+              </a:ext>
+            </a:extLst>
+          </a:blip>
+          <a:srcRect/>
+          <a:stretch>
+            <a:fillRect/>
+          </a:stretch>
+        </p:blipFill>
+        <p:spPr bwMode="auto">
+          <a:xfrm>
+            <a:off x="755576" y="4300539"/>
+            <a:ext cx="2228850" cy="638175"/>
+          </a:xfrm>
+          <a:prstGeom prst="rect">
+            <a:avLst/>
+          </a:prstGeom>
+          <a:noFill/>
+          <a:ln>
+            <a:noFill/>
+          </a:ln>
+          <a:effectLst/>
+          <a:extLst>
+            <a:ext uri="{909E8E84-426E-40DD-AFC4-6F175D3DCCD1}">
+              <a14:hiddenFill xmlns:a14="http://schemas.microsoft.com/office/drawing/2010/main">
+                <a:solidFill>
+                  <a:schemeClr val="accent1"/>
+                </a:solidFill>
+              </a14:hiddenFill>
+            </a:ext>
+            <a:ext uri="{91240B29-F687-4F45-9708-019B960494DF}">
+              <a14:hiddenLine xmlns:a14="http://schemas.microsoft.com/office/drawing/2010/main" w="9525">
+                <a:solidFill>
+                  <a:schemeClr val="tx1"/>
+                </a:solidFill>
+                <a:miter lim="800000"/>
+                <a:headEnd/>
+                <a:tailEnd/>
+              </a14:hiddenLine>
+            </a:ext>
+            <a:ext uri="{AF507438-7753-43E0-B8FC-AC1667EBCBE1}">
+              <a14:hiddenEffects xmlns:a14="http://schemas.microsoft.com/office/drawing/2010/main">
+                <a:effectLst>
+                  <a:outerShdw dist="35921" dir="2700000" algn="ctr" rotWithShape="0">
+                    <a:schemeClr val="bg2"/>
+                  </a:outerShdw>
+                </a:effectLst>
+              </a14:hiddenEffects>
+            </a:ext>
+          </a:extLst>
         </p:spPr>
       </p:pic>
     </p:spTree>
     <p:extLst>
       <p:ext uri="{BB962C8B-B14F-4D97-AF65-F5344CB8AC3E}">
-        <p14:creationId xmlns="" xmlns:p14="http://schemas.microsoft.com/office/powerpoint/2010/main" val="3535770249"/>
+        <p14:creationId xmlns:p14="http://schemas.microsoft.com/office/powerpoint/2010/main" val="3535770249"/>
       </p:ext>
     </p:extLst>
   </p:cSld>
@@ -5392,169 +5536,7 @@
             <a:pPr algn="ctr"/>
             <a:r>
               <a:rPr lang="es-ES" dirty="0" smtClean="0"/>
-              <a:t>Layout y vendors</a:t>
-            </a:r>
-            <a:endParaRPr lang="es-ES" dirty="0"/>
-          </a:p>
-        </p:txBody>
-      </p:sp>
-      <p:pic>
-        <p:nvPicPr>
-          <p:cNvPr id="4098" name="Picture 2"/>
-          <p:cNvPicPr>
-            <a:picLocks noChangeAspect="1" noChangeArrowheads="1"/>
-          </p:cNvPicPr>
-          <p:nvPr/>
-        </p:nvPicPr>
-        <p:blipFill>
-          <a:blip r:embed="rId2">
-            <a:extLst>
-              <a:ext uri="{28A0092B-C50C-407E-A947-70E740481C1C}">
-                <a14:useLocalDpi xmlns="" xmlns:a14="http://schemas.microsoft.com/office/drawing/2010/main" val="0"/>
-              </a:ext>
-            </a:extLst>
-          </a:blip>
-          <a:srcRect/>
-          <a:stretch>
-            <a:fillRect/>
-          </a:stretch>
-        </p:blipFill>
-        <p:spPr bwMode="auto">
-          <a:xfrm>
-            <a:off x="3500430" y="3786190"/>
-            <a:ext cx="4762500" cy="1666875"/>
-          </a:xfrm>
-          <a:prstGeom prst="rect">
-            <a:avLst/>
-          </a:prstGeom>
-          <a:noFill/>
-          <a:ln>
-            <a:noFill/>
-          </a:ln>
-          <a:effectLst/>
-          <a:extLst>
-            <a:ext uri="{909E8E84-426E-40DD-AFC4-6F175D3DCCD1}">
-              <a14:hiddenFill xmlns="" xmlns:a14="http://schemas.microsoft.com/office/drawing/2010/main">
-                <a:solidFill>
-                  <a:schemeClr val="accent1"/>
-                </a:solidFill>
-              </a14:hiddenFill>
-            </a:ext>
-            <a:ext uri="{91240B29-F687-4F45-9708-019B960494DF}">
-              <a14:hiddenLine xmlns="" xmlns:a14="http://schemas.microsoft.com/office/drawing/2010/main" w="9525">
-                <a:solidFill>
-                  <a:schemeClr val="tx1"/>
-                </a:solidFill>
-                <a:miter lim="800000"/>
-                <a:headEnd/>
-                <a:tailEnd/>
-              </a14:hiddenLine>
-            </a:ext>
-            <a:ext uri="{AF507438-7753-43E0-B8FC-AC1667EBCBE1}">
-              <a14:hiddenEffects xmlns="" xmlns:a14="http://schemas.microsoft.com/office/drawing/2010/main">
-                <a:effectLst>
-                  <a:outerShdw dist="35921" dir="2700000" algn="ctr" rotWithShape="0">
-                    <a:schemeClr val="bg2"/>
-                  </a:outerShdw>
-                </a:effectLst>
-              </a14:hiddenEffects>
-            </a:ext>
-          </a:extLst>
-        </p:spPr>
-      </p:pic>
-      <p:pic>
-        <p:nvPicPr>
-          <p:cNvPr id="2050" name="Picture 2"/>
-          <p:cNvPicPr>
-            <a:picLocks noChangeAspect="1" noChangeArrowheads="1"/>
-          </p:cNvPicPr>
-          <p:nvPr/>
-        </p:nvPicPr>
-        <p:blipFill>
-          <a:blip r:embed="rId3"/>
-          <a:srcRect/>
-          <a:stretch>
-            <a:fillRect/>
-          </a:stretch>
-        </p:blipFill>
-        <p:spPr bwMode="auto">
-          <a:xfrm>
-            <a:off x="571472" y="1857364"/>
-            <a:ext cx="5743575" cy="1743075"/>
-          </a:xfrm>
-          <a:prstGeom prst="rect">
-            <a:avLst/>
-          </a:prstGeom>
-          <a:noFill/>
-          <a:ln w="9525">
-            <a:noFill/>
-            <a:miter lim="800000"/>
-            <a:headEnd/>
-            <a:tailEnd/>
-          </a:ln>
-          <a:effectLst/>
-        </p:spPr>
-      </p:pic>
-    </p:spTree>
-    <p:extLst>
-      <p:ext uri="{BB962C8B-B14F-4D97-AF65-F5344CB8AC3E}">
-        <p14:creationId xmlns="" xmlns:p14="http://schemas.microsoft.com/office/powerpoint/2010/main" val="74020485"/>
-      </p:ext>
-    </p:extLst>
-  </p:cSld>
-  <p:clrMapOvr>
-    <a:masterClrMapping/>
-  </p:clrMapOvr>
-  <p:timing>
-    <p:tnLst>
-      <p:par>
-        <p:cTn id="1" dur="indefinite" restart="never" nodeType="tmRoot"/>
-      </p:par>
-    </p:tnLst>
-  </p:timing>
-</p:sld>
-</file>
-
-<file path=ppt/slides/slide9.xml><?xml version="1.0" encoding="utf-8"?>
-<p:sld xmlns:a="http://schemas.openxmlformats.org/drawingml/2006/main" xmlns:r="http://schemas.openxmlformats.org/officeDocument/2006/relationships" xmlns:p="http://schemas.openxmlformats.org/presentationml/2006/main">
-  <p:cSld>
-    <p:spTree>
-      <p:nvGrpSpPr>
-        <p:cNvPr id="1" name=""/>
-        <p:cNvGrpSpPr/>
-        <p:nvPr/>
-      </p:nvGrpSpPr>
-      <p:grpSpPr>
-        <a:xfrm>
-          <a:off x="0" y="0"/>
-          <a:ext cx="0" cy="0"/>
-          <a:chOff x="0" y="0"/>
-          <a:chExt cx="0" cy="0"/>
-        </a:xfrm>
-      </p:grpSpPr>
-      <p:sp>
-        <p:nvSpPr>
-          <p:cNvPr id="2" name="1 Título"/>
-          <p:cNvSpPr>
-            <a:spLocks noGrp="1"/>
-          </p:cNvSpPr>
-          <p:nvPr>
-            <p:ph type="title"/>
-          </p:nvPr>
-        </p:nvSpPr>
-        <p:spPr/>
-        <p:txBody>
-          <a:bodyPr/>
-          <a:lstStyle/>
-          <a:p>
-            <a:pPr algn="ctr"/>
-            <a:r>
-              <a:rPr lang="es-ES" dirty="0" smtClean="0"/>
-              <a:t>Fuentes </a:t>
-            </a:r>
-            <a:r>
-              <a:rPr lang="es-ES" dirty="0" smtClean="0"/>
-              <a:t>usadas</a:t>
+              <a:t>Fuentes usadas</a:t>
             </a:r>
             <a:endParaRPr lang="es-ES" dirty="0"/>
           </a:p>
@@ -5596,7 +5578,7 @@
     </p:spTree>
     <p:extLst>
       <p:ext uri="{BB962C8B-B14F-4D97-AF65-F5344CB8AC3E}">
-        <p14:creationId xmlns="" xmlns:p14="http://schemas.microsoft.com/office/powerpoint/2010/main" val="937464518"/>
+        <p14:creationId xmlns:p14="http://schemas.microsoft.com/office/powerpoint/2010/main" val="937464518"/>
       </p:ext>
     </p:extLst>
   </p:cSld>
@@ -5610,6 +5592,88 @@
       </p:par>
     </p:tnLst>
   </p:timing>
+</p:sld>
+</file>
+
+<file path=ppt/slides/slide9.xml><?xml version="1.0" encoding="utf-8"?>
+<p:sld xmlns:a="http://schemas.openxmlformats.org/drawingml/2006/main" xmlns:r="http://schemas.openxmlformats.org/officeDocument/2006/relationships" xmlns:p="http://schemas.openxmlformats.org/presentationml/2006/main">
+  <p:cSld>
+    <p:spTree>
+      <p:nvGrpSpPr>
+        <p:cNvPr id="1" name=""/>
+        <p:cNvGrpSpPr/>
+        <p:nvPr/>
+      </p:nvGrpSpPr>
+      <p:grpSpPr>
+        <a:xfrm>
+          <a:off x="0" y="0"/>
+          <a:ext cx="0" cy="0"/>
+          <a:chOff x="0" y="0"/>
+          <a:chExt cx="0" cy="0"/>
+        </a:xfrm>
+      </p:grpSpPr>
+      <p:sp>
+        <p:nvSpPr>
+          <p:cNvPr id="2" name="1 Título"/>
+          <p:cNvSpPr>
+            <a:spLocks noGrp="1"/>
+          </p:cNvSpPr>
+          <p:nvPr>
+            <p:ph type="title"/>
+          </p:nvPr>
+        </p:nvSpPr>
+        <p:spPr/>
+        <p:txBody>
+          <a:bodyPr/>
+          <a:lstStyle/>
+          <a:p>
+            <a:pPr algn="ctr"/>
+            <a:r>
+              <a:rPr lang="es-ES" dirty="0" smtClean="0"/>
+              <a:t>Paleta de colores usada</a:t>
+            </a:r>
+            <a:endParaRPr lang="es-ES" dirty="0"/>
+          </a:p>
+        </p:txBody>
+      </p:sp>
+      <p:pic>
+        <p:nvPicPr>
+          <p:cNvPr id="2050" name="Picture 2"/>
+          <p:cNvPicPr>
+            <a:picLocks noChangeAspect="1" noChangeArrowheads="1"/>
+          </p:cNvPicPr>
+          <p:nvPr/>
+        </p:nvPicPr>
+        <p:blipFill>
+          <a:blip r:embed="rId2"/>
+          <a:srcRect/>
+          <a:stretch>
+            <a:fillRect/>
+          </a:stretch>
+        </p:blipFill>
+        <p:spPr bwMode="auto">
+          <a:xfrm>
+            <a:off x="1571604" y="1643050"/>
+            <a:ext cx="5429288" cy="3075236"/>
+          </a:xfrm>
+          <a:prstGeom prst="rect">
+            <a:avLst/>
+          </a:prstGeom>
+          <a:noFill/>
+          <a:ln w="9525">
+            <a:noFill/>
+            <a:miter lim="800000"/>
+            <a:headEnd/>
+            <a:tailEnd/>
+          </a:ln>
+          <a:effectLst/>
+        </p:spPr>
+      </p:pic>
+    </p:spTree>
+  </p:cSld>
+  <p:clrMapOvr>
+    <a:masterClrMapping/>
+  </p:clrMapOvr>
 </p:sld>
 </file>
 
